--- a/ppts/5054_s24_qp_11_mcq.pptx
+++ b/ppts/5054_s24_qp_11_mcq.pptx
@@ -3236,7 +3236,7 @@
         <p:spPr>
           <a:xfrm>
             <a:off x="365760" y="731520"/>
-            <a:ext cx="6407091" cy="5943600"/>
+            <a:ext cx="5908401" cy="5943600"/>
           </a:xfrm>
           <a:prstGeom prst="rect">
             <a:avLst/>
@@ -3313,7 +3313,7 @@
         <p:spPr>
           <a:xfrm>
             <a:off x="365760" y="731520"/>
-            <a:ext cx="8229600" cy="4688958"/>
+            <a:ext cx="8229600" cy="5206826"/>
           </a:xfrm>
           <a:prstGeom prst="rect">
             <a:avLst/>
@@ -3390,7 +3390,7 @@
         <p:spPr>
           <a:xfrm>
             <a:off x="365760" y="731520"/>
-            <a:ext cx="8229600" cy="3738228"/>
+            <a:ext cx="8229600" cy="4265978"/>
           </a:xfrm>
           <a:prstGeom prst="rect">
             <a:avLst/>
@@ -3467,7 +3467,7 @@
         <p:spPr>
           <a:xfrm>
             <a:off x="365760" y="731520"/>
-            <a:ext cx="8229600" cy="2859109"/>
+            <a:ext cx="8229600" cy="3531387"/>
           </a:xfrm>
           <a:prstGeom prst="rect">
             <a:avLst/>
@@ -3544,7 +3544,7 @@
         <p:spPr>
           <a:xfrm>
             <a:off x="365760" y="731520"/>
-            <a:ext cx="8229600" cy="1773679"/>
+            <a:ext cx="8229600" cy="2358109"/>
           </a:xfrm>
           <a:prstGeom prst="rect">
             <a:avLst/>
@@ -3621,7 +3621,7 @@
         <p:spPr>
           <a:xfrm>
             <a:off x="365760" y="731520"/>
-            <a:ext cx="8229600" cy="2546287"/>
+            <a:ext cx="8229600" cy="3245667"/>
           </a:xfrm>
           <a:prstGeom prst="rect">
             <a:avLst/>
@@ -3698,7 +3698,7 @@
         <p:spPr>
           <a:xfrm>
             <a:off x="365760" y="731520"/>
-            <a:ext cx="8229600" cy="3417454"/>
+            <a:ext cx="8229600" cy="4221018"/>
           </a:xfrm>
           <a:prstGeom prst="rect">
             <a:avLst/>
@@ -3775,7 +3775,7 @@
         <p:spPr>
           <a:xfrm>
             <a:off x="365760" y="731520"/>
-            <a:ext cx="8229600" cy="3017520"/>
+            <a:ext cx="8229600" cy="3621023"/>
           </a:xfrm>
           <a:prstGeom prst="rect">
             <a:avLst/>
@@ -3852,7 +3852,7 @@
         <p:spPr>
           <a:xfrm>
             <a:off x="365760" y="731520"/>
-            <a:ext cx="8229600" cy="3600793"/>
+            <a:ext cx="8229600" cy="4139538"/>
           </a:xfrm>
           <a:prstGeom prst="rect">
             <a:avLst/>
@@ -3929,7 +3929,7 @@
         <p:spPr>
           <a:xfrm>
             <a:off x="365760" y="731520"/>
-            <a:ext cx="8229600" cy="2867297"/>
+            <a:ext cx="8229600" cy="3448594"/>
           </a:xfrm>
           <a:prstGeom prst="rect">
             <a:avLst/>
@@ -4006,7 +4006,7 @@
         <p:spPr>
           <a:xfrm>
             <a:off x="365760" y="731520"/>
-            <a:ext cx="7972732" cy="5943600"/>
+            <a:ext cx="7299072" cy="5943600"/>
           </a:xfrm>
           <a:prstGeom prst="rect">
             <a:avLst/>
@@ -4083,7 +4083,7 @@
         <p:spPr>
           <a:xfrm>
             <a:off x="365760" y="731520"/>
-            <a:ext cx="8229600" cy="2899138"/>
+            <a:ext cx="8229600" cy="3478966"/>
           </a:xfrm>
           <a:prstGeom prst="rect">
             <a:avLst/>
@@ -4160,7 +4160,7 @@
         <p:spPr>
           <a:xfrm>
             <a:off x="365760" y="731520"/>
-            <a:ext cx="8229600" cy="5162053"/>
+            <a:ext cx="8229600" cy="5673311"/>
           </a:xfrm>
           <a:prstGeom prst="rect">
             <a:avLst/>
@@ -4237,7 +4237,7 @@
         <p:spPr>
           <a:xfrm>
             <a:off x="365760" y="731520"/>
-            <a:ext cx="8229600" cy="3595853"/>
+            <a:ext cx="8229600" cy="4315023"/>
           </a:xfrm>
           <a:prstGeom prst="rect">
             <a:avLst/>
@@ -4314,7 +4314,7 @@
         <p:spPr>
           <a:xfrm>
             <a:off x="365760" y="731520"/>
-            <a:ext cx="8229600" cy="2298076"/>
+            <a:ext cx="8229600" cy="2838435"/>
           </a:xfrm>
           <a:prstGeom prst="rect">
             <a:avLst/>
@@ -4391,7 +4391,7 @@
         <p:spPr>
           <a:xfrm>
             <a:off x="365760" y="731520"/>
-            <a:ext cx="8229600" cy="5319006"/>
+            <a:ext cx="7849853" cy="5943600"/>
           </a:xfrm>
           <a:prstGeom prst="rect">
             <a:avLst/>
@@ -4468,7 +4468,7 @@
         <p:spPr>
           <a:xfrm>
             <a:off x="365760" y="731520"/>
-            <a:ext cx="8229600" cy="2182290"/>
+            <a:ext cx="8229600" cy="2760728"/>
           </a:xfrm>
           <a:prstGeom prst="rect">
             <a:avLst/>
@@ -4545,7 +4545,7 @@
         <p:spPr>
           <a:xfrm>
             <a:off x="365760" y="731520"/>
-            <a:ext cx="8229600" cy="2785850"/>
+            <a:ext cx="8229600" cy="3309287"/>
           </a:xfrm>
           <a:prstGeom prst="rect">
             <a:avLst/>
@@ -4622,7 +4622,7 @@
         <p:spPr>
           <a:xfrm>
             <a:off x="365760" y="731520"/>
-            <a:ext cx="8150417" cy="5943600"/>
+            <a:ext cx="7340600" cy="5943600"/>
           </a:xfrm>
           <a:prstGeom prst="rect">
             <a:avLst/>
@@ -4699,7 +4699,7 @@
         <p:spPr>
           <a:xfrm>
             <a:off x="365760" y="731520"/>
-            <a:ext cx="8229600" cy="2880634"/>
+            <a:ext cx="8229600" cy="3375400"/>
           </a:xfrm>
           <a:prstGeom prst="rect">
             <a:avLst/>
@@ -4776,7 +4776,7 @@
         <p:spPr>
           <a:xfrm>
             <a:off x="365760" y="731520"/>
-            <a:ext cx="8229600" cy="4469381"/>
+            <a:ext cx="8229600" cy="5030116"/>
           </a:xfrm>
           <a:prstGeom prst="rect">
             <a:avLst/>
@@ -4853,7 +4853,7 @@
         <p:spPr>
           <a:xfrm>
             <a:off x="365760" y="731520"/>
-            <a:ext cx="8229600" cy="5607646"/>
+            <a:ext cx="7046669" cy="5943600"/>
           </a:xfrm>
           <a:prstGeom prst="rect">
             <a:avLst/>
@@ -4930,7 +4930,7 @@
         <p:spPr>
           <a:xfrm>
             <a:off x="365760" y="731520"/>
-            <a:ext cx="8229600" cy="4719732"/>
+            <a:ext cx="8229600" cy="5299459"/>
           </a:xfrm>
           <a:prstGeom prst="rect">
             <a:avLst/>
@@ -5007,7 +5007,7 @@
         <p:spPr>
           <a:xfrm>
             <a:off x="365760" y="731520"/>
-            <a:ext cx="8229600" cy="3715448"/>
+            <a:ext cx="8229600" cy="4253833"/>
           </a:xfrm>
           <a:prstGeom prst="rect">
             <a:avLst/>
@@ -5084,7 +5084,7 @@
         <p:spPr>
           <a:xfrm>
             <a:off x="365760" y="731520"/>
-            <a:ext cx="8229600" cy="4868785"/>
+            <a:ext cx="8229600" cy="5463859"/>
           </a:xfrm>
           <a:prstGeom prst="rect">
             <a:avLst/>
@@ -5161,7 +5161,7 @@
         <p:spPr>
           <a:xfrm>
             <a:off x="365760" y="731520"/>
-            <a:ext cx="6940381" cy="5943600"/>
+            <a:ext cx="6485108" cy="5943600"/>
           </a:xfrm>
           <a:prstGeom prst="rect">
             <a:avLst/>
@@ -5238,7 +5238,7 @@
         <p:spPr>
           <a:xfrm>
             <a:off x="365760" y="731520"/>
-            <a:ext cx="8229600" cy="1848940"/>
+            <a:ext cx="8229600" cy="2516009"/>
           </a:xfrm>
           <a:prstGeom prst="rect">
             <a:avLst/>
@@ -5315,7 +5315,7 @@
         <p:spPr>
           <a:xfrm>
             <a:off x="365760" y="731520"/>
-            <a:ext cx="5910488" cy="5943600"/>
+            <a:ext cx="5436033" cy="5943600"/>
           </a:xfrm>
           <a:prstGeom prst="rect">
             <a:avLst/>
@@ -5392,7 +5392,7 @@
         <p:spPr>
           <a:xfrm>
             <a:off x="365760" y="731520"/>
-            <a:ext cx="7920450" cy="5943600"/>
+            <a:ext cx="7172495" cy="5943600"/>
           </a:xfrm>
           <a:prstGeom prst="rect">
             <a:avLst/>
@@ -5469,7 +5469,7 @@
         <p:spPr>
           <a:xfrm>
             <a:off x="365760" y="731520"/>
-            <a:ext cx="8229600" cy="1444764"/>
+            <a:ext cx="8229600" cy="1928204"/>
           </a:xfrm>
           <a:prstGeom prst="rect">
             <a:avLst/>
@@ -5546,7 +5546,7 @@
         <p:spPr>
           <a:xfrm>
             <a:off x="365760" y="731520"/>
-            <a:ext cx="8229600" cy="3000620"/>
+            <a:ext cx="8229600" cy="3525287"/>
           </a:xfrm>
           <a:prstGeom prst="rect">
             <a:avLst/>
@@ -5623,7 +5623,7 @@
         <p:spPr>
           <a:xfrm>
             <a:off x="365760" y="731520"/>
-            <a:ext cx="8229600" cy="2605765"/>
+            <a:ext cx="8229600" cy="3095033"/>
           </a:xfrm>
           <a:prstGeom prst="rect">
             <a:avLst/>
@@ -5700,7 +5700,7 @@
         <p:spPr>
           <a:xfrm>
             <a:off x="365760" y="731520"/>
-            <a:ext cx="8229600" cy="3958124"/>
+            <a:ext cx="3966816" cy="5943600"/>
           </a:xfrm>
           <a:prstGeom prst="rect">
             <a:avLst/>
@@ -5777,7 +5777,7 @@
         <p:spPr>
           <a:xfrm>
             <a:off x="365760" y="731520"/>
-            <a:ext cx="8229600" cy="3556998"/>
+            <a:ext cx="8229600" cy="4268397"/>
           </a:xfrm>
           <a:prstGeom prst="rect">
             <a:avLst/>
@@ -5854,7 +5854,7 @@
         <p:spPr>
           <a:xfrm>
             <a:off x="365760" y="731520"/>
-            <a:ext cx="8229600" cy="3973174"/>
+            <a:ext cx="8229600" cy="4662164"/>
           </a:xfrm>
           <a:prstGeom prst="rect">
             <a:avLst/>
@@ -5931,7 +5931,7 @@
         <p:spPr>
           <a:xfrm>
             <a:off x="365760" y="731520"/>
-            <a:ext cx="8229600" cy="1641145"/>
+            <a:ext cx="8229600" cy="2166312"/>
           </a:xfrm>
           <a:prstGeom prst="rect">
             <a:avLst/>
@@ -6008,7 +6008,7 @@
         <p:spPr>
           <a:xfrm>
             <a:off x="365760" y="731520"/>
-            <a:ext cx="8229600" cy="4742366"/>
+            <a:ext cx="8229600" cy="5359755"/>
           </a:xfrm>
           <a:prstGeom prst="rect">
             <a:avLst/>
@@ -6085,7 +6085,7 @@
         <p:spPr>
           <a:xfrm>
             <a:off x="365760" y="731520"/>
-            <a:ext cx="8229600" cy="3248960"/>
+            <a:ext cx="8229600" cy="3754720"/>
           </a:xfrm>
           <a:prstGeom prst="rect">
             <a:avLst/>
@@ -6162,7 +6162,7 @@
         <p:spPr>
           <a:xfrm>
             <a:off x="365760" y="731520"/>
-            <a:ext cx="8229600" cy="1594244"/>
+            <a:ext cx="8229600" cy="2100004"/>
           </a:xfrm>
           <a:prstGeom prst="rect">
             <a:avLst/>
@@ -6239,7 +6239,7 @@
         <p:spPr>
           <a:xfrm>
             <a:off x="365760" y="731520"/>
-            <a:ext cx="8229600" cy="2156032"/>
+            <a:ext cx="8229600" cy="3191479"/>
           </a:xfrm>
           <a:prstGeom prst="rect">
             <a:avLst/>

--- a/ppts/5054_s24_qp_11_mcq.pptx
+++ b/ppts/5054_s24_qp_11_mcq.pptx
@@ -3236,7 +3236,7 @@
         <p:spPr>
           <a:xfrm>
             <a:off x="365760" y="731520"/>
-            <a:ext cx="5908401" cy="5943600"/>
+            <a:ext cx="7265711" cy="5943600"/>
           </a:xfrm>
           <a:prstGeom prst="rect">
             <a:avLst/>
@@ -3313,7 +3313,7 @@
         <p:spPr>
           <a:xfrm>
             <a:off x="365760" y="731520"/>
-            <a:ext cx="8229600" cy="5206826"/>
+            <a:ext cx="8229600" cy="4264182"/>
           </a:xfrm>
           <a:prstGeom prst="rect">
             <a:avLst/>
@@ -3390,7 +3390,7 @@
         <p:spPr>
           <a:xfrm>
             <a:off x="365760" y="731520"/>
-            <a:ext cx="8229600" cy="4265978"/>
+            <a:ext cx="8229600" cy="3454802"/>
           </a:xfrm>
           <a:prstGeom prst="rect">
             <a:avLst/>
@@ -3467,7 +3467,7 @@
         <p:spPr>
           <a:xfrm>
             <a:off x="365760" y="731520"/>
-            <a:ext cx="8229600" cy="3531387"/>
+            <a:ext cx="8229600" cy="2232946"/>
           </a:xfrm>
           <a:prstGeom prst="rect">
             <a:avLst/>
@@ -3544,7 +3544,7 @@
         <p:spPr>
           <a:xfrm>
             <a:off x="365760" y="731520"/>
-            <a:ext cx="8229600" cy="2358109"/>
+            <a:ext cx="8229600" cy="1269849"/>
           </a:xfrm>
           <a:prstGeom prst="rect">
             <a:avLst/>
@@ -3621,7 +3621,7 @@
         <p:spPr>
           <a:xfrm>
             <a:off x="365760" y="731520"/>
-            <a:ext cx="8229600" cy="3245667"/>
+            <a:ext cx="8229600" cy="2061975"/>
           </a:xfrm>
           <a:prstGeom prst="rect">
             <a:avLst/>
@@ -3698,7 +3698,7 @@
         <p:spPr>
           <a:xfrm>
             <a:off x="365760" y="731520"/>
-            <a:ext cx="8229600" cy="4221018"/>
+            <a:ext cx="8229600" cy="2714743"/>
           </a:xfrm>
           <a:prstGeom prst="rect">
             <a:avLst/>
@@ -3775,7 +3775,7 @@
         <p:spPr>
           <a:xfrm>
             <a:off x="365760" y="731520"/>
-            <a:ext cx="8229600" cy="3621023"/>
+            <a:ext cx="8229600" cy="2391823"/>
           </a:xfrm>
           <a:prstGeom prst="rect">
             <a:avLst/>
@@ -3852,7 +3852,7 @@
         <p:spPr>
           <a:xfrm>
             <a:off x="365760" y="731520"/>
-            <a:ext cx="8229600" cy="4139538"/>
+            <a:ext cx="8229600" cy="3297272"/>
           </a:xfrm>
           <a:prstGeom prst="rect">
             <a:avLst/>
@@ -3929,7 +3929,7 @@
         <p:spPr>
           <a:xfrm>
             <a:off x="365760" y="731520"/>
-            <a:ext cx="8229600" cy="3448594"/>
+            <a:ext cx="8229600" cy="2271041"/>
           </a:xfrm>
           <a:prstGeom prst="rect">
             <a:avLst/>
@@ -4006,7 +4006,7 @@
         <p:spPr>
           <a:xfrm>
             <a:off x="365760" y="731520"/>
-            <a:ext cx="7299072" cy="5943600"/>
+            <a:ext cx="8229600" cy="5828620"/>
           </a:xfrm>
           <a:prstGeom prst="rect">
             <a:avLst/>
@@ -4083,7 +4083,7 @@
         <p:spPr>
           <a:xfrm>
             <a:off x="365760" y="731520"/>
-            <a:ext cx="8229600" cy="3478966"/>
+            <a:ext cx="8229600" cy="2290591"/>
           </a:xfrm>
           <a:prstGeom prst="rect">
             <a:avLst/>
@@ -4160,7 +4160,7 @@
         <p:spPr>
           <a:xfrm>
             <a:off x="365760" y="731520"/>
-            <a:ext cx="8229600" cy="5673311"/>
+            <a:ext cx="8229600" cy="4845414"/>
           </a:xfrm>
           <a:prstGeom prst="rect">
             <a:avLst/>
@@ -4237,7 +4237,7 @@
         <p:spPr>
           <a:xfrm>
             <a:off x="365760" y="731520"/>
-            <a:ext cx="8229600" cy="4315023"/>
+            <a:ext cx="8229600" cy="2894909"/>
           </a:xfrm>
           <a:prstGeom prst="rect">
             <a:avLst/>
@@ -4314,7 +4314,7 @@
         <p:spPr>
           <a:xfrm>
             <a:off x="365760" y="731520"/>
-            <a:ext cx="8229600" cy="2838435"/>
+            <a:ext cx="8229600" cy="1763485"/>
           </a:xfrm>
           <a:prstGeom prst="rect">
             <a:avLst/>
@@ -4391,7 +4391,7 @@
         <p:spPr>
           <a:xfrm>
             <a:off x="365760" y="731520"/>
-            <a:ext cx="7849853" cy="5943600"/>
+            <a:ext cx="8229600" cy="4431323"/>
           </a:xfrm>
           <a:prstGeom prst="rect">
             <a:avLst/>
@@ -4468,7 +4468,7 @@
         <p:spPr>
           <a:xfrm>
             <a:off x="365760" y="731520"/>
-            <a:ext cx="8229600" cy="2760728"/>
+            <a:ext cx="8229600" cy="1649454"/>
           </a:xfrm>
           <a:prstGeom prst="rect">
             <a:avLst/>
@@ -4545,7 +4545,7 @@
         <p:spPr>
           <a:xfrm>
             <a:off x="365760" y="731520"/>
-            <a:ext cx="8229600" cy="3309287"/>
+            <a:ext cx="8229600" cy="2380925"/>
           </a:xfrm>
           <a:prstGeom prst="rect">
             <a:avLst/>
@@ -4622,7 +4622,7 @@
         <p:spPr>
           <a:xfrm>
             <a:off x="365760" y="731520"/>
-            <a:ext cx="7340600" cy="5943600"/>
+            <a:ext cx="8229600" cy="5113787"/>
           </a:xfrm>
           <a:prstGeom prst="rect">
             <a:avLst/>
@@ -4699,7 +4699,7 @@
         <p:spPr>
           <a:xfrm>
             <a:off x="365760" y="731520"/>
-            <a:ext cx="8229600" cy="3375400"/>
+            <a:ext cx="8229600" cy="2542213"/>
           </a:xfrm>
           <a:prstGeom prst="rect">
             <a:avLst/>
@@ -4776,7 +4776,7 @@
         <p:spPr>
           <a:xfrm>
             <a:off x="365760" y="731520"/>
-            <a:ext cx="8229600" cy="5030116"/>
+            <a:ext cx="8229600" cy="4209861"/>
           </a:xfrm>
           <a:prstGeom prst="rect">
             <a:avLst/>
@@ -4853,7 +4853,7 @@
         <p:spPr>
           <a:xfrm>
             <a:off x="365760" y="731520"/>
-            <a:ext cx="7046669" cy="5943600"/>
+            <a:ext cx="8229600" cy="4793063"/>
           </a:xfrm>
           <a:prstGeom prst="rect">
             <a:avLst/>
@@ -4930,7 +4930,7 @@
         <p:spPr>
           <a:xfrm>
             <a:off x="365760" y="731520"/>
-            <a:ext cx="8229600" cy="5299459"/>
+            <a:ext cx="8229600" cy="3948630"/>
           </a:xfrm>
           <a:prstGeom prst="rect">
             <a:avLst/>
@@ -5007,7 +5007,7 @@
         <p:spPr>
           <a:xfrm>
             <a:off x="365760" y="731520"/>
-            <a:ext cx="8229600" cy="4253833"/>
+            <a:ext cx="8229600" cy="3112581"/>
           </a:xfrm>
           <a:prstGeom prst="rect">
             <a:avLst/>
@@ -5084,7 +5084,7 @@
         <p:spPr>
           <a:xfrm>
             <a:off x="365760" y="731520"/>
-            <a:ext cx="8229600" cy="5463859"/>
+            <a:ext cx="8229600" cy="3276137"/>
           </a:xfrm>
           <a:prstGeom prst="rect">
             <a:avLst/>
@@ -5161,7 +5161,7 @@
         <p:spPr>
           <a:xfrm>
             <a:off x="365760" y="731520"/>
-            <a:ext cx="6485108" cy="5943600"/>
+            <a:ext cx="8229600" cy="4584674"/>
           </a:xfrm>
           <a:prstGeom prst="rect">
             <a:avLst/>
@@ -5238,7 +5238,7 @@
         <p:spPr>
           <a:xfrm>
             <a:off x="365760" y="731520"/>
-            <a:ext cx="8229600" cy="2516009"/>
+            <a:ext cx="8229600" cy="1362863"/>
           </a:xfrm>
           <a:prstGeom prst="rect">
             <a:avLst/>
@@ -5315,7 +5315,7 @@
         <p:spPr>
           <a:xfrm>
             <a:off x="365760" y="731520"/>
-            <a:ext cx="5436033" cy="5943600"/>
+            <a:ext cx="5972593" cy="5943600"/>
           </a:xfrm>
           <a:prstGeom prst="rect">
             <a:avLst/>
@@ -5392,7 +5392,7 @@
         <p:spPr>
           <a:xfrm>
             <a:off x="365760" y="731520"/>
-            <a:ext cx="7172495" cy="5943600"/>
+            <a:ext cx="8229600" cy="5324674"/>
           </a:xfrm>
           <a:prstGeom prst="rect">
             <a:avLst/>
@@ -5469,7 +5469,7 @@
         <p:spPr>
           <a:xfrm>
             <a:off x="365760" y="731520"/>
-            <a:ext cx="8229600" cy="1928204"/>
+            <a:ext cx="8229600" cy="1129872"/>
           </a:xfrm>
           <a:prstGeom prst="rect">
             <a:avLst/>
@@ -5546,7 +5546,7 @@
         <p:spPr>
           <a:xfrm>
             <a:off x="365760" y="731520"/>
-            <a:ext cx="8229600" cy="3525287"/>
+            <a:ext cx="8229600" cy="2487892"/>
           </a:xfrm>
           <a:prstGeom prst="rect">
             <a:avLst/>
@@ -5623,7 +5623,7 @@
         <p:spPr>
           <a:xfrm>
             <a:off x="365760" y="731520"/>
-            <a:ext cx="8229600" cy="3095033"/>
+            <a:ext cx="8229600" cy="2297769"/>
           </a:xfrm>
           <a:prstGeom prst="rect">
             <a:avLst/>
@@ -5700,7 +5700,7 @@
         <p:spPr>
           <a:xfrm>
             <a:off x="365760" y="731520"/>
-            <a:ext cx="3966816" cy="5943600"/>
+            <a:ext cx="4141929" cy="5943600"/>
           </a:xfrm>
           <a:prstGeom prst="rect">
             <a:avLst/>
@@ -5777,7 +5777,7 @@
         <p:spPr>
           <a:xfrm>
             <a:off x="365760" y="731520"/>
-            <a:ext cx="8229600" cy="4268397"/>
+            <a:ext cx="8229600" cy="2861187"/>
           </a:xfrm>
           <a:prstGeom prst="rect">
             <a:avLst/>
@@ -5854,7 +5854,7 @@
         <p:spPr>
           <a:xfrm>
             <a:off x="365760" y="731520"/>
-            <a:ext cx="8229600" cy="4662164"/>
+            <a:ext cx="8229600" cy="3014047"/>
           </a:xfrm>
           <a:prstGeom prst="rect">
             <a:avLst/>
@@ -5931,7 +5931,7 @@
         <p:spPr>
           <a:xfrm>
             <a:off x="365760" y="731520"/>
-            <a:ext cx="8229600" cy="2166312"/>
+            <a:ext cx="8229600" cy="1211353"/>
           </a:xfrm>
           <a:prstGeom prst="rect">
             <a:avLst/>
@@ -6008,7 +6008,7 @@
         <p:spPr>
           <a:xfrm>
             <a:off x="365760" y="731520"/>
-            <a:ext cx="8229600" cy="5359755"/>
+            <a:ext cx="8229600" cy="3749039"/>
           </a:xfrm>
           <a:prstGeom prst="rect">
             <a:avLst/>
@@ -6085,7 +6085,7 @@
         <p:spPr>
           <a:xfrm>
             <a:off x="365760" y="731520"/>
-            <a:ext cx="8229600" cy="3754720"/>
+            <a:ext cx="8229600" cy="2917026"/>
           </a:xfrm>
           <a:prstGeom prst="rect">
             <a:avLst/>
@@ -6162,7 +6162,7 @@
         <p:spPr>
           <a:xfrm>
             <a:off x="365760" y="731520"/>
-            <a:ext cx="8229600" cy="2100004"/>
+            <a:ext cx="8229600" cy="1319995"/>
           </a:xfrm>
           <a:prstGeom prst="rect">
             <a:avLst/>
@@ -6239,7 +6239,7 @@
         <p:spPr>
           <a:xfrm>
             <a:off x="365760" y="731520"/>
-            <a:ext cx="8229600" cy="3191479"/>
+            <a:ext cx="8229600" cy="2024361"/>
           </a:xfrm>
           <a:prstGeom prst="rect">
             <a:avLst/>

--- a/ppts/5054_s24_qp_11_mcq.pptx
+++ b/ppts/5054_s24_qp_11_mcq.pptx
@@ -3236,7 +3236,7 @@
         <p:spPr>
           <a:xfrm>
             <a:off x="365760" y="731520"/>
-            <a:ext cx="7265711" cy="5943600"/>
+            <a:ext cx="6895920" cy="5943600"/>
           </a:xfrm>
           <a:prstGeom prst="rect">
             <a:avLst/>
@@ -3313,7 +3313,7 @@
         <p:spPr>
           <a:xfrm>
             <a:off x="365760" y="731520"/>
-            <a:ext cx="8229600" cy="4264182"/>
+            <a:ext cx="8229600" cy="5144179"/>
           </a:xfrm>
           <a:prstGeom prst="rect">
             <a:avLst/>
@@ -3390,7 +3390,7 @@
         <p:spPr>
           <a:xfrm>
             <a:off x="365760" y="731520"/>
-            <a:ext cx="8229600" cy="3454802"/>
+            <a:ext cx="8229600" cy="3563443"/>
           </a:xfrm>
           <a:prstGeom prst="rect">
             <a:avLst/>
@@ -3467,7 +3467,7 @@
         <p:spPr>
           <a:xfrm>
             <a:off x="365760" y="731520"/>
-            <a:ext cx="8229600" cy="2232946"/>
+            <a:ext cx="8229600" cy="2366361"/>
           </a:xfrm>
           <a:prstGeom prst="rect">
             <a:avLst/>
@@ -3544,7 +3544,7 @@
         <p:spPr>
           <a:xfrm>
             <a:off x="365760" y="731520"/>
-            <a:ext cx="8229600" cy="1269849"/>
+            <a:ext cx="8229600" cy="1385845"/>
           </a:xfrm>
           <a:prstGeom prst="rect">
             <a:avLst/>
@@ -3621,7 +3621,7 @@
         <p:spPr>
           <a:xfrm>
             <a:off x="365760" y="731520"/>
-            <a:ext cx="8229600" cy="2061975"/>
+            <a:ext cx="8229600" cy="2787319"/>
           </a:xfrm>
           <a:prstGeom prst="rect">
             <a:avLst/>
@@ -3698,7 +3698,7 @@
         <p:spPr>
           <a:xfrm>
             <a:off x="365760" y="731520"/>
-            <a:ext cx="8229600" cy="2714743"/>
+            <a:ext cx="8229600" cy="3303791"/>
           </a:xfrm>
           <a:prstGeom prst="rect">
             <a:avLst/>
@@ -3775,7 +3775,7 @@
         <p:spPr>
           <a:xfrm>
             <a:off x="365760" y="731520"/>
-            <a:ext cx="8229600" cy="2391823"/>
+            <a:ext cx="8229600" cy="2541310"/>
           </a:xfrm>
           <a:prstGeom prst="rect">
             <a:avLst/>
@@ -3852,7 +3852,7 @@
         <p:spPr>
           <a:xfrm>
             <a:off x="365760" y="731520"/>
-            <a:ext cx="8229600" cy="3297272"/>
+            <a:ext cx="8229600" cy="3438506"/>
           </a:xfrm>
           <a:prstGeom prst="rect">
             <a:avLst/>
@@ -3929,7 +3929,7 @@
         <p:spPr>
           <a:xfrm>
             <a:off x="365760" y="731520"/>
-            <a:ext cx="8229600" cy="2271041"/>
+            <a:ext cx="8229600" cy="2382252"/>
           </a:xfrm>
           <a:prstGeom prst="rect">
             <a:avLst/>
@@ -4006,7 +4006,7 @@
         <p:spPr>
           <a:xfrm>
             <a:off x="365760" y="731520"/>
-            <a:ext cx="8229600" cy="5828620"/>
+            <a:ext cx="8193406" cy="5943600"/>
           </a:xfrm>
           <a:prstGeom prst="rect">
             <a:avLst/>
@@ -4083,7 +4083,7 @@
         <p:spPr>
           <a:xfrm>
             <a:off x="365760" y="731520"/>
-            <a:ext cx="8229600" cy="2290591"/>
+            <a:ext cx="8229600" cy="3140708"/>
           </a:xfrm>
           <a:prstGeom prst="rect">
             <a:avLst/>
@@ -4160,7 +4160,7 @@
         <p:spPr>
           <a:xfrm>
             <a:off x="365760" y="731520"/>
-            <a:ext cx="8229600" cy="4845414"/>
+            <a:ext cx="8229600" cy="4948624"/>
           </a:xfrm>
           <a:prstGeom prst="rect">
             <a:avLst/>
@@ -4237,7 +4237,7 @@
         <p:spPr>
           <a:xfrm>
             <a:off x="365760" y="731520"/>
-            <a:ext cx="8229600" cy="2894909"/>
+            <a:ext cx="8229600" cy="3044131"/>
           </a:xfrm>
           <a:prstGeom prst="rect">
             <a:avLst/>
@@ -4314,7 +4314,7 @@
         <p:spPr>
           <a:xfrm>
             <a:off x="365760" y="731520"/>
-            <a:ext cx="8229600" cy="1763485"/>
+            <a:ext cx="8229600" cy="3743247"/>
           </a:xfrm>
           <a:prstGeom prst="rect">
             <a:avLst/>
@@ -4391,7 +4391,7 @@
         <p:spPr>
           <a:xfrm>
             <a:off x="365760" y="731520"/>
-            <a:ext cx="8229600" cy="4431323"/>
+            <a:ext cx="8229600" cy="4699888"/>
           </a:xfrm>
           <a:prstGeom prst="rect">
             <a:avLst/>
@@ -4468,7 +4468,7 @@
         <p:spPr>
           <a:xfrm>
             <a:off x="365760" y="731520"/>
-            <a:ext cx="8229600" cy="1649454"/>
+            <a:ext cx="8229600" cy="1761381"/>
           </a:xfrm>
           <a:prstGeom prst="rect">
             <a:avLst/>
@@ -4545,7 +4545,7 @@
         <p:spPr>
           <a:xfrm>
             <a:off x="365760" y="731520"/>
-            <a:ext cx="8229600" cy="2380925"/>
+            <a:ext cx="7251784" cy="5943600"/>
           </a:xfrm>
           <a:prstGeom prst="rect">
             <a:avLst/>
@@ -4622,7 +4622,7 @@
         <p:spPr>
           <a:xfrm>
             <a:off x="365760" y="731520"/>
-            <a:ext cx="8229600" cy="5113787"/>
+            <a:ext cx="8229600" cy="5321199"/>
           </a:xfrm>
           <a:prstGeom prst="rect">
             <a:avLst/>
@@ -4699,7 +4699,7 @@
         <p:spPr>
           <a:xfrm>
             <a:off x="365760" y="731520"/>
-            <a:ext cx="8229600" cy="2542213"/>
+            <a:ext cx="7554156" cy="5943600"/>
           </a:xfrm>
           <a:prstGeom prst="rect">
             <a:avLst/>
@@ -4776,7 +4776,7 @@
         <p:spPr>
           <a:xfrm>
             <a:off x="365760" y="731520"/>
-            <a:ext cx="8229600" cy="4209861"/>
+            <a:ext cx="8229600" cy="4313070"/>
           </a:xfrm>
           <a:prstGeom prst="rect">
             <a:avLst/>
@@ -4853,7 +4853,7 @@
         <p:spPr>
           <a:xfrm>
             <a:off x="365760" y="731520"/>
-            <a:ext cx="8229600" cy="4793063"/>
+            <a:ext cx="3570083" cy="5943600"/>
           </a:xfrm>
           <a:prstGeom prst="rect">
             <a:avLst/>
@@ -4930,7 +4930,7 @@
         <p:spPr>
           <a:xfrm>
             <a:off x="365760" y="731520"/>
-            <a:ext cx="8229600" cy="3948630"/>
+            <a:ext cx="7152882" cy="5943600"/>
           </a:xfrm>
           <a:prstGeom prst="rect">
             <a:avLst/>
@@ -5007,7 +5007,7 @@
         <p:spPr>
           <a:xfrm>
             <a:off x="365760" y="731520"/>
-            <a:ext cx="8229600" cy="3112581"/>
+            <a:ext cx="8229600" cy="3253815"/>
           </a:xfrm>
           <a:prstGeom prst="rect">
             <a:avLst/>
@@ -5084,7 +5084,7 @@
         <p:spPr>
           <a:xfrm>
             <a:off x="365760" y="731520"/>
-            <a:ext cx="8229600" cy="3276137"/>
+            <a:ext cx="4863712" cy="5943600"/>
           </a:xfrm>
           <a:prstGeom prst="rect">
             <a:avLst/>
@@ -5161,7 +5161,7 @@
         <p:spPr>
           <a:xfrm>
             <a:off x="365760" y="731520"/>
-            <a:ext cx="8229600" cy="4584674"/>
+            <a:ext cx="7192135" cy="5943600"/>
           </a:xfrm>
           <a:prstGeom prst="rect">
             <a:avLst/>
@@ -5238,7 +5238,7 @@
         <p:spPr>
           <a:xfrm>
             <a:off x="365760" y="731520"/>
-            <a:ext cx="8229600" cy="1362863"/>
+            <a:ext cx="8229600" cy="5013358"/>
           </a:xfrm>
           <a:prstGeom prst="rect">
             <a:avLst/>
@@ -5315,7 +5315,7 @@
         <p:spPr>
           <a:xfrm>
             <a:off x="365760" y="731520"/>
-            <a:ext cx="5972593" cy="5943600"/>
+            <a:ext cx="5824841" cy="5943600"/>
           </a:xfrm>
           <a:prstGeom prst="rect">
             <a:avLst/>
@@ -5392,7 +5392,7 @@
         <p:spPr>
           <a:xfrm>
             <a:off x="365760" y="731520"/>
-            <a:ext cx="8229600" cy="5324674"/>
+            <a:ext cx="8229600" cy="5877408"/>
           </a:xfrm>
           <a:prstGeom prst="rect">
             <a:avLst/>
@@ -5469,7 +5469,7 @@
         <p:spPr>
           <a:xfrm>
             <a:off x="365760" y="731520"/>
-            <a:ext cx="8229600" cy="1129872"/>
+            <a:ext cx="8229600" cy="1233081"/>
           </a:xfrm>
           <a:prstGeom prst="rect">
             <a:avLst/>
@@ -5546,7 +5546,7 @@
         <p:spPr>
           <a:xfrm>
             <a:off x="365760" y="731520"/>
-            <a:ext cx="8229600" cy="2487892"/>
+            <a:ext cx="8229600" cy="2596533"/>
           </a:xfrm>
           <a:prstGeom prst="rect">
             <a:avLst/>
@@ -5623,7 +5623,7 @@
         <p:spPr>
           <a:xfrm>
             <a:off x="365760" y="731520"/>
-            <a:ext cx="8229600" cy="2297769"/>
+            <a:ext cx="8229600" cy="2406411"/>
           </a:xfrm>
           <a:prstGeom prst="rect">
             <a:avLst/>
@@ -5700,7 +5700,7 @@
         <p:spPr>
           <a:xfrm>
             <a:off x="365760" y="731520"/>
-            <a:ext cx="4141929" cy="5943600"/>
+            <a:ext cx="8229600" cy="3829615"/>
           </a:xfrm>
           <a:prstGeom prst="rect">
             <a:avLst/>
@@ -5777,7 +5777,7 @@
         <p:spPr>
           <a:xfrm>
             <a:off x="365760" y="731520"/>
-            <a:ext cx="8229600" cy="2861187"/>
+            <a:ext cx="7972424" cy="5943600"/>
           </a:xfrm>
           <a:prstGeom prst="rect">
             <a:avLst/>
@@ -5854,7 +5854,7 @@
         <p:spPr>
           <a:xfrm>
             <a:off x="365760" y="731520"/>
-            <a:ext cx="8229600" cy="3014047"/>
+            <a:ext cx="8229600" cy="3305729"/>
           </a:xfrm>
           <a:prstGeom prst="rect">
             <a:avLst/>
@@ -5931,7 +5931,7 @@
         <p:spPr>
           <a:xfrm>
             <a:off x="365760" y="731520"/>
-            <a:ext cx="8229600" cy="1211353"/>
+            <a:ext cx="8229600" cy="1319995"/>
           </a:xfrm>
           <a:prstGeom prst="rect">
             <a:avLst/>
@@ -6008,7 +6008,7 @@
         <p:spPr>
           <a:xfrm>
             <a:off x="365760" y="731520"/>
-            <a:ext cx="8229600" cy="3749039"/>
+            <a:ext cx="7170563" cy="5943600"/>
           </a:xfrm>
           <a:prstGeom prst="rect">
             <a:avLst/>
@@ -6085,7 +6085,7 @@
         <p:spPr>
           <a:xfrm>
             <a:off x="365760" y="731520"/>
-            <a:ext cx="8229600" cy="2917026"/>
+            <a:ext cx="8229600" cy="3052828"/>
           </a:xfrm>
           <a:prstGeom prst="rect">
             <a:avLst/>
@@ -6162,7 +6162,7 @@
         <p:spPr>
           <a:xfrm>
             <a:off x="365760" y="731520"/>
-            <a:ext cx="8229600" cy="1319995"/>
+            <a:ext cx="8229600" cy="1423204"/>
           </a:xfrm>
           <a:prstGeom prst="rect">
             <a:avLst/>
@@ -6239,7 +6239,7 @@
         <p:spPr>
           <a:xfrm>
             <a:off x="365760" y="731520"/>
-            <a:ext cx="8229600" cy="2024361"/>
+            <a:ext cx="7702783" cy="5943600"/>
           </a:xfrm>
           <a:prstGeom prst="rect">
             <a:avLst/>
